--- a/ppt/4.Programming with functions.pptx
+++ b/ppt/4.Programming with functions.pptx
@@ -261,7 +261,7 @@
           <a:p>
             <a:fld id="{8481171F-4DB4-4C87-94E6-CC9F5158ED9B}" type="datetimeFigureOut">
               <a:rPr lang="ko-KR" altLang="en-US" smtClean="0"/>
-              <a:t>2017-03-02</a:t>
+              <a:t>2017-03-25</a:t>
             </a:fld>
             <a:endParaRPr lang="ko-KR" altLang="en-US"/>
           </a:p>
@@ -431,7 +431,7 @@
           <a:p>
             <a:fld id="{8481171F-4DB4-4C87-94E6-CC9F5158ED9B}" type="datetimeFigureOut">
               <a:rPr lang="ko-KR" altLang="en-US" smtClean="0"/>
-              <a:t>2017-03-02</a:t>
+              <a:t>2017-03-25</a:t>
             </a:fld>
             <a:endParaRPr lang="ko-KR" altLang="en-US"/>
           </a:p>
@@ -611,7 +611,7 @@
           <a:p>
             <a:fld id="{8481171F-4DB4-4C87-94E6-CC9F5158ED9B}" type="datetimeFigureOut">
               <a:rPr lang="ko-KR" altLang="en-US" smtClean="0"/>
-              <a:t>2017-03-02</a:t>
+              <a:t>2017-03-25</a:t>
             </a:fld>
             <a:endParaRPr lang="ko-KR" altLang="en-US"/>
           </a:p>
@@ -781,7 +781,7 @@
           <a:p>
             <a:fld id="{8481171F-4DB4-4C87-94E6-CC9F5158ED9B}" type="datetimeFigureOut">
               <a:rPr lang="ko-KR" altLang="en-US" smtClean="0"/>
-              <a:t>2017-03-02</a:t>
+              <a:t>2017-03-25</a:t>
             </a:fld>
             <a:endParaRPr lang="ko-KR" altLang="en-US"/>
           </a:p>
@@ -1027,7 +1027,7 @@
           <a:p>
             <a:fld id="{8481171F-4DB4-4C87-94E6-CC9F5158ED9B}" type="datetimeFigureOut">
               <a:rPr lang="ko-KR" altLang="en-US" smtClean="0"/>
-              <a:t>2017-03-02</a:t>
+              <a:t>2017-03-25</a:t>
             </a:fld>
             <a:endParaRPr lang="ko-KR" altLang="en-US"/>
           </a:p>
@@ -1259,7 +1259,7 @@
           <a:p>
             <a:fld id="{8481171F-4DB4-4C87-94E6-CC9F5158ED9B}" type="datetimeFigureOut">
               <a:rPr lang="ko-KR" altLang="en-US" smtClean="0"/>
-              <a:t>2017-03-02</a:t>
+              <a:t>2017-03-25</a:t>
             </a:fld>
             <a:endParaRPr lang="ko-KR" altLang="en-US"/>
           </a:p>
@@ -1626,7 +1626,7 @@
           <a:p>
             <a:fld id="{8481171F-4DB4-4C87-94E6-CC9F5158ED9B}" type="datetimeFigureOut">
               <a:rPr lang="ko-KR" altLang="en-US" smtClean="0"/>
-              <a:t>2017-03-02</a:t>
+              <a:t>2017-03-25</a:t>
             </a:fld>
             <a:endParaRPr lang="ko-KR" altLang="en-US"/>
           </a:p>
@@ -1744,7 +1744,7 @@
           <a:p>
             <a:fld id="{8481171F-4DB4-4C87-94E6-CC9F5158ED9B}" type="datetimeFigureOut">
               <a:rPr lang="ko-KR" altLang="en-US" smtClean="0"/>
-              <a:t>2017-03-02</a:t>
+              <a:t>2017-03-25</a:t>
             </a:fld>
             <a:endParaRPr lang="ko-KR" altLang="en-US"/>
           </a:p>
@@ -1839,7 +1839,7 @@
           <a:p>
             <a:fld id="{8481171F-4DB4-4C87-94E6-CC9F5158ED9B}" type="datetimeFigureOut">
               <a:rPr lang="ko-KR" altLang="en-US" smtClean="0"/>
-              <a:t>2017-03-02</a:t>
+              <a:t>2017-03-25</a:t>
             </a:fld>
             <a:endParaRPr lang="ko-KR" altLang="en-US"/>
           </a:p>
@@ -2116,7 +2116,7 @@
           <a:p>
             <a:fld id="{8481171F-4DB4-4C87-94E6-CC9F5158ED9B}" type="datetimeFigureOut">
               <a:rPr lang="ko-KR" altLang="en-US" smtClean="0"/>
-              <a:t>2017-03-02</a:t>
+              <a:t>2017-03-25</a:t>
             </a:fld>
             <a:endParaRPr lang="ko-KR" altLang="en-US"/>
           </a:p>
@@ -2369,7 +2369,7 @@
           <a:p>
             <a:fld id="{8481171F-4DB4-4C87-94E6-CC9F5158ED9B}" type="datetimeFigureOut">
               <a:rPr lang="ko-KR" altLang="en-US" smtClean="0"/>
-              <a:t>2017-03-02</a:t>
+              <a:t>2017-03-25</a:t>
             </a:fld>
             <a:endParaRPr lang="ko-KR" altLang="en-US"/>
           </a:p>
@@ -2582,7 +2582,7 @@
           <a:p>
             <a:fld id="{8481171F-4DB4-4C87-94E6-CC9F5158ED9B}" type="datetimeFigureOut">
               <a:rPr lang="ko-KR" altLang="en-US" smtClean="0"/>
-              <a:t>2017-03-02</a:t>
+              <a:t>2017-03-25</a:t>
             </a:fld>
             <a:endParaRPr lang="ko-KR" altLang="en-US"/>
           </a:p>
@@ -6450,16 +6450,22 @@
               </a:rPr>
               <a:t>	return(roots)</a:t>
             </a:r>
-            <a:br>
-              <a:rPr lang="en-US" altLang="ko-KR" spc="-150" dirty="0" smtClean="0">
-                <a:latin typeface="Consolas" panose="020B0609020204030204" pitchFamily="49" charset="0"/>
-              </a:rPr>
-            </a:br>
-            <a:r>
-              <a:rPr lang="en-US" altLang="ko-KR" spc="-150" dirty="0" smtClean="0">
-                <a:latin typeface="Consolas" panose="020B0609020204030204" pitchFamily="49" charset="0"/>
-              </a:rPr>
-              <a:t>	}</a:t>
+            <a:r>
+              <a:rPr lang="en-US" altLang="ko-KR" spc="-150" smtClean="0">
+                <a:latin typeface="Consolas" panose="020B0609020204030204" pitchFamily="49" charset="0"/>
+              </a:rPr>
+              <a:t/>
+            </a:r>
+            <a:br>
+              <a:rPr lang="en-US" altLang="ko-KR" spc="-150" smtClean="0">
+                <a:latin typeface="Consolas" panose="020B0609020204030204" pitchFamily="49" charset="0"/>
+              </a:rPr>
+            </a:br>
+            <a:r>
+              <a:rPr lang="en-US" altLang="ko-KR" spc="-150" smtClean="0">
+                <a:latin typeface="Consolas" panose="020B0609020204030204" pitchFamily="49" charset="0"/>
+              </a:rPr>
+              <a:t>}</a:t>
             </a:r>
             <a:endParaRPr lang="ko-KR" altLang="en-US" spc="-150" dirty="0">
               <a:latin typeface="Consolas" panose="020B0609020204030204" pitchFamily="49" charset="0"/>
@@ -6605,8 +6611,8 @@
           </a:p>
         </p:txBody>
       </p:sp>
-      <mc:AlternateContent xmlns:mc="http://schemas.openxmlformats.org/markup-compatibility/2006">
-        <mc:Choice xmlns:a14="http://schemas.microsoft.com/office/drawing/2010/main" Requires="a14">
+      <mc:AlternateContent xmlns:mc="http://schemas.openxmlformats.org/markup-compatibility/2006" xmlns:a14="http://schemas.microsoft.com/office/drawing/2010/main">
+        <mc:Choice Requires="a14">
           <p:sp>
             <p:nvSpPr>
               <p:cNvPr id="3" name="내용 개체 틀 2"/>
@@ -6919,7 +6925,7 @@
             </p:txBody>
           </p:sp>
         </mc:Choice>
-        <mc:Fallback>
+        <mc:Fallback xmlns="">
           <p:sp>
             <p:nvSpPr>
               <p:cNvPr id="3" name="내용 개체 틀 2"/>
@@ -7010,8 +7016,8 @@
           </a:p>
         </p:txBody>
       </p:sp>
-      <mc:AlternateContent xmlns:mc="http://schemas.openxmlformats.org/markup-compatibility/2006">
-        <mc:Choice xmlns:a14="http://schemas.microsoft.com/office/drawing/2010/main" Requires="a14">
+      <mc:AlternateContent xmlns:mc="http://schemas.openxmlformats.org/markup-compatibility/2006" xmlns:a14="http://schemas.microsoft.com/office/drawing/2010/main">
+        <mc:Choice Requires="a14">
           <p:sp>
             <p:nvSpPr>
               <p:cNvPr id="3" name="내용 개체 틀 2"/>
@@ -7488,7 +7494,7 @@
             </p:txBody>
           </p:sp>
         </mc:Choice>
-        <mc:Fallback>
+        <mc:Fallback xmlns="">
           <p:sp>
             <p:nvSpPr>
               <p:cNvPr id="3" name="내용 개체 틀 2"/>
@@ -7629,30 +7635,18 @@
               <a:rPr lang="en-US" altLang="ko-KR" spc="-150" dirty="0" smtClean="0">
                 <a:latin typeface="Consolas" panose="020B0609020204030204" pitchFamily="49" charset="0"/>
               </a:rPr>
-              <a:t>f1  </a:t>
-            </a:r>
-            <a:r>
-              <a:rPr lang="en-US" altLang="ko-KR" spc="-150" dirty="0" smtClean="0">
-                <a:latin typeface="Consolas" panose="020B0609020204030204" pitchFamily="49" charset="0"/>
-              </a:rPr>
-              <a:t>swap &lt;- function(x){</a:t>
-            </a:r>
-            <a:br>
-              <a:rPr lang="en-US" altLang="ko-KR" spc="-150" dirty="0" smtClean="0">
-                <a:latin typeface="Consolas" panose="020B0609020204030204" pitchFamily="49" charset="0"/>
-              </a:rPr>
-            </a:br>
-            <a:r>
-              <a:rPr lang="en-US" altLang="ko-KR" spc="-150" dirty="0" smtClean="0">
-                <a:latin typeface="Consolas" panose="020B0609020204030204" pitchFamily="49" charset="0"/>
-              </a:rPr>
-              <a:t>f2    </a:t>
-            </a:r>
-            <a:r>
-              <a:rPr lang="en-US" altLang="ko-KR" spc="-150" dirty="0" smtClean="0">
-                <a:latin typeface="Consolas" panose="020B0609020204030204" pitchFamily="49" charset="0"/>
-              </a:rPr>
-              <a:t>y &lt;- x[2]</a:t>
+              <a:t>f1  swap &lt;- function(x){</a:t>
+            </a:r>
+            <a:br>
+              <a:rPr lang="en-US" altLang="ko-KR" spc="-150" dirty="0" smtClean="0">
+                <a:latin typeface="Consolas" panose="020B0609020204030204" pitchFamily="49" charset="0"/>
+              </a:rPr>
+            </a:br>
+            <a:r>
+              <a:rPr lang="en-US" altLang="ko-KR" spc="-150" dirty="0" smtClean="0">
+                <a:latin typeface="Consolas" panose="020B0609020204030204" pitchFamily="49" charset="0"/>
+              </a:rPr>
+              <a:t>f2    y &lt;- x[2]</a:t>
             </a:r>
             <a:br>
               <a:rPr lang="en-US" altLang="ko-KR" spc="-150" dirty="0" smtClean="0">

--- a/ppt/4.Programming with functions.pptx
+++ b/ppt/4.Programming with functions.pptx
@@ -261,7 +261,7 @@
           <a:p>
             <a:fld id="{8481171F-4DB4-4C87-94E6-CC9F5158ED9B}" type="datetimeFigureOut">
               <a:rPr lang="ko-KR" altLang="en-US" smtClean="0"/>
-              <a:t>2017-03-25</a:t>
+              <a:t>2017-03-28</a:t>
             </a:fld>
             <a:endParaRPr lang="ko-KR" altLang="en-US"/>
           </a:p>
@@ -431,7 +431,7 @@
           <a:p>
             <a:fld id="{8481171F-4DB4-4C87-94E6-CC9F5158ED9B}" type="datetimeFigureOut">
               <a:rPr lang="ko-KR" altLang="en-US" smtClean="0"/>
-              <a:t>2017-03-25</a:t>
+              <a:t>2017-03-28</a:t>
             </a:fld>
             <a:endParaRPr lang="ko-KR" altLang="en-US"/>
           </a:p>
@@ -611,7 +611,7 @@
           <a:p>
             <a:fld id="{8481171F-4DB4-4C87-94E6-CC9F5158ED9B}" type="datetimeFigureOut">
               <a:rPr lang="ko-KR" altLang="en-US" smtClean="0"/>
-              <a:t>2017-03-25</a:t>
+              <a:t>2017-03-28</a:t>
             </a:fld>
             <a:endParaRPr lang="ko-KR" altLang="en-US"/>
           </a:p>
@@ -781,7 +781,7 @@
           <a:p>
             <a:fld id="{8481171F-4DB4-4C87-94E6-CC9F5158ED9B}" type="datetimeFigureOut">
               <a:rPr lang="ko-KR" altLang="en-US" smtClean="0"/>
-              <a:t>2017-03-25</a:t>
+              <a:t>2017-03-28</a:t>
             </a:fld>
             <a:endParaRPr lang="ko-KR" altLang="en-US"/>
           </a:p>
@@ -1027,7 +1027,7 @@
           <a:p>
             <a:fld id="{8481171F-4DB4-4C87-94E6-CC9F5158ED9B}" type="datetimeFigureOut">
               <a:rPr lang="ko-KR" altLang="en-US" smtClean="0"/>
-              <a:t>2017-03-25</a:t>
+              <a:t>2017-03-28</a:t>
             </a:fld>
             <a:endParaRPr lang="ko-KR" altLang="en-US"/>
           </a:p>
@@ -1259,7 +1259,7 @@
           <a:p>
             <a:fld id="{8481171F-4DB4-4C87-94E6-CC9F5158ED9B}" type="datetimeFigureOut">
               <a:rPr lang="ko-KR" altLang="en-US" smtClean="0"/>
-              <a:t>2017-03-25</a:t>
+              <a:t>2017-03-28</a:t>
             </a:fld>
             <a:endParaRPr lang="ko-KR" altLang="en-US"/>
           </a:p>
@@ -1626,7 +1626,7 @@
           <a:p>
             <a:fld id="{8481171F-4DB4-4C87-94E6-CC9F5158ED9B}" type="datetimeFigureOut">
               <a:rPr lang="ko-KR" altLang="en-US" smtClean="0"/>
-              <a:t>2017-03-25</a:t>
+              <a:t>2017-03-28</a:t>
             </a:fld>
             <a:endParaRPr lang="ko-KR" altLang="en-US"/>
           </a:p>
@@ -1744,7 +1744,7 @@
           <a:p>
             <a:fld id="{8481171F-4DB4-4C87-94E6-CC9F5158ED9B}" type="datetimeFigureOut">
               <a:rPr lang="ko-KR" altLang="en-US" smtClean="0"/>
-              <a:t>2017-03-25</a:t>
+              <a:t>2017-03-28</a:t>
             </a:fld>
             <a:endParaRPr lang="ko-KR" altLang="en-US"/>
           </a:p>
@@ -1839,7 +1839,7 @@
           <a:p>
             <a:fld id="{8481171F-4DB4-4C87-94E6-CC9F5158ED9B}" type="datetimeFigureOut">
               <a:rPr lang="ko-KR" altLang="en-US" smtClean="0"/>
-              <a:t>2017-03-25</a:t>
+              <a:t>2017-03-28</a:t>
             </a:fld>
             <a:endParaRPr lang="ko-KR" altLang="en-US"/>
           </a:p>
@@ -2116,7 +2116,7 @@
           <a:p>
             <a:fld id="{8481171F-4DB4-4C87-94E6-CC9F5158ED9B}" type="datetimeFigureOut">
               <a:rPr lang="ko-KR" altLang="en-US" smtClean="0"/>
-              <a:t>2017-03-25</a:t>
+              <a:t>2017-03-28</a:t>
             </a:fld>
             <a:endParaRPr lang="ko-KR" altLang="en-US"/>
           </a:p>
@@ -2369,7 +2369,7 @@
           <a:p>
             <a:fld id="{8481171F-4DB4-4C87-94E6-CC9F5158ED9B}" type="datetimeFigureOut">
               <a:rPr lang="ko-KR" altLang="en-US" smtClean="0"/>
-              <a:t>2017-03-25</a:t>
+              <a:t>2017-03-28</a:t>
             </a:fld>
             <a:endParaRPr lang="ko-KR" altLang="en-US"/>
           </a:p>
@@ -2582,7 +2582,7 @@
           <a:p>
             <a:fld id="{8481171F-4DB4-4C87-94E6-CC9F5158ED9B}" type="datetimeFigureOut">
               <a:rPr lang="ko-KR" altLang="en-US" smtClean="0"/>
-              <a:t>2017-03-25</a:t>
+              <a:t>2017-03-28</a:t>
             </a:fld>
             <a:endParaRPr lang="ko-KR" altLang="en-US"/>
           </a:p>
@@ -3244,7 +3244,24 @@
               <a:rPr lang="en-US" altLang="ko-KR" spc="-150" dirty="0" smtClean="0">
                 <a:latin typeface="Consolas" panose="020B0609020204030204" pitchFamily="49" charset="0"/>
               </a:rPr>
-              <a:t>	return(y)</a:t>
+              <a:t>	return(y</a:t>
+            </a:r>
+            <a:r>
+              <a:rPr lang="en-US" altLang="ko-KR" spc="-150" dirty="0" smtClean="0">
+                <a:latin typeface="Consolas" panose="020B0609020204030204" pitchFamily="49" charset="0"/>
+              </a:rPr>
+              <a:t>)</a:t>
+            </a:r>
+          </a:p>
+          <a:p>
+            <a:pPr marL="0" indent="0">
+              <a:buNone/>
+            </a:pPr>
+            <a:r>
+              <a:rPr lang="en-US" altLang="ko-KR" spc="-150" dirty="0">
+                <a:latin typeface="Consolas" panose="020B0609020204030204" pitchFamily="49" charset="0"/>
+              </a:rPr>
+              <a:t>}</a:t>
             </a:r>
             <a:r>
               <a:rPr lang="en-US" altLang="ko-KR" dirty="0" smtClean="0"/>
@@ -3504,7 +3521,11 @@
             </a:r>
             <a:r>
               <a:rPr lang="en-US" altLang="ko-KR" i="1" dirty="0" smtClean="0"/>
-              <a:t>test(y=2, z=2)</a:t>
+              <a:t>test3(y=2</a:t>
+            </a:r>
+            <a:r>
+              <a:rPr lang="en-US" altLang="ko-KR" i="1" dirty="0" smtClean="0"/>
+              <a:t>, z=2)</a:t>
             </a:r>
             <a:br>
               <a:rPr lang="en-US" altLang="ko-KR" i="1" dirty="0" smtClean="0"/>
